--- a/Documentation/Presentation.pptx
+++ b/Documentation/Presentation.pptx
@@ -5,16 +5,17 @@
     <p:sldMasterId id="2147483648" r:id="rId1"/>
   </p:sldMasterIdLst>
   <p:notesMasterIdLst>
-    <p:notesMasterId r:id="rId6"/>
+    <p:notesMasterId r:id="rId7"/>
   </p:notesMasterIdLst>
   <p:handoutMasterIdLst>
-    <p:handoutMasterId r:id="rId7"/>
+    <p:handoutMasterId r:id="rId8"/>
   </p:handoutMasterIdLst>
   <p:sldIdLst>
     <p:sldId id="256" r:id="rId2"/>
     <p:sldId id="269" r:id="rId3"/>
     <p:sldId id="332" r:id="rId4"/>
     <p:sldId id="331" r:id="rId5"/>
+    <p:sldId id="333" r:id="rId6"/>
   </p:sldIdLst>
   <p:sldSz cx="9144000" cy="6858000" type="screen4x3"/>
   <p:notesSz cx="7102475" cy="9388475"/>
@@ -567,7 +568,7 @@
               <a:pPr>
                 <a:defRPr/>
               </a:pPr>
-              <a:t>7/10/2015</a:t>
+              <a:t>7/15/2015</a:t>
             </a:fld>
             <a:endParaRPr lang="en-US"/>
           </a:p>
@@ -4360,12 +4361,6 @@
               </a:rPr>
               <a:t>Construction System</a:t>
             </a:r>
-            <a:endParaRPr lang="en-US" altLang="es-MX" sz="3200" dirty="0" smtClean="0">
-              <a:solidFill>
-                <a:schemeClr val="accent2"/>
-              </a:solidFill>
-              <a:latin typeface="Comic Sans MS" pitchFamily="66" charset="0"/>
-            </a:endParaRPr>
           </a:p>
         </p:txBody>
       </p:sp>
@@ -6234,12 +6229,6 @@
               </a:rPr>
               <a:t>Why are we doing it?</a:t>
             </a:r>
-            <a:endParaRPr lang="en-US" sz="2000" b="1" kern="0" dirty="0" smtClean="0">
-              <a:solidFill>
-                <a:schemeClr val="accent2"/>
-              </a:solidFill>
-              <a:latin typeface="Comic Sans MS" pitchFamily="66" charset="0"/>
-            </a:endParaRPr>
           </a:p>
         </p:txBody>
       </p:sp>
@@ -6417,7 +6406,7 @@
       </p:sp>
       <p:pic>
         <p:nvPicPr>
-          <p:cNvPr id="3089" name="Picture 17" descr="http://mrberry12.weebly.com/uploads/1/2/4/8/12488639/3249368_orig.jpg"/>
+          <p:cNvPr id="2" name="Picture 2" descr="http://build-it-yourself.com/dev/controller/resources/lego-nxt.jpg"/>
           <p:cNvPicPr>
             <a:picLocks noChangeAspect="1" noChangeArrowheads="1"/>
           </p:cNvPicPr>
@@ -6438,49 +6427,8 @@
         </p:blipFill>
         <p:spPr bwMode="auto">
           <a:xfrm>
-            <a:off x="6097587" y="819872"/>
-            <a:ext cx="2571750" cy="2819401"/>
-          </a:xfrm>
-          <a:prstGeom prst="rect">
-            <a:avLst/>
-          </a:prstGeom>
-          <a:noFill/>
-          <a:extLst>
-            <a:ext uri="{909E8E84-426E-40DD-AFC4-6F175D3DCCD1}">
-              <a14:hiddenFill xmlns:a14="http://schemas.microsoft.com/office/drawing/2010/main">
-                <a:solidFill>
-                  <a:srgbClr val="FFFFFF"/>
-                </a:solidFill>
-              </a14:hiddenFill>
-            </a:ext>
-          </a:extLst>
-        </p:spPr>
-      </p:pic>
-      <p:pic>
-        <p:nvPicPr>
-          <p:cNvPr id="3091" name="Picture 19" descr="https://encrypted-tbn1.gstatic.com/images?q=tbn:ANd9GcTq1Uvu7ZNSEvzFX4NTWqFXdt--9oFP5Lf_y11RfMDzoDYw_67p"/>
-          <p:cNvPicPr>
-            <a:picLocks noChangeAspect="1" noChangeArrowheads="1"/>
-          </p:cNvPicPr>
-          <p:nvPr/>
-        </p:nvPicPr>
-        <p:blipFill>
-          <a:blip r:embed="rId3">
-            <a:extLst>
-              <a:ext uri="{28A0092B-C50C-407E-A947-70E740481C1C}">
-                <a14:useLocalDpi xmlns:a14="http://schemas.microsoft.com/office/drawing/2010/main" val="0"/>
-              </a:ext>
-            </a:extLst>
-          </a:blip>
-          <a:srcRect/>
-          <a:stretch>
-            <a:fillRect/>
-          </a:stretch>
-        </p:blipFill>
-        <p:spPr bwMode="auto">
-          <a:xfrm>
-            <a:off x="6513513" y="4542848"/>
-            <a:ext cx="2152650" cy="2124075"/>
+            <a:off x="6021388" y="4981574"/>
+            <a:ext cx="2857500" cy="1543051"/>
           </a:xfrm>
           <a:prstGeom prst="rect">
             <a:avLst/>
@@ -6559,12 +6507,6 @@
               </a:rPr>
               <a:t>Our vision</a:t>
             </a:r>
-            <a:endParaRPr lang="en-US" altLang="es-MX" sz="2000" b="1" dirty="0" smtClean="0">
-              <a:solidFill>
-                <a:schemeClr val="accent2"/>
-              </a:solidFill>
-              <a:latin typeface="Comic Sans MS" pitchFamily="66" charset="0"/>
-            </a:endParaRPr>
           </a:p>
         </p:txBody>
       </p:sp>
@@ -6795,8 +6737,8 @@
         </p:nvSpPr>
         <p:spPr bwMode="auto">
           <a:xfrm>
-            <a:off x="333375" y="841375"/>
-            <a:ext cx="7591425" cy="1015663"/>
+            <a:off x="381000" y="841375"/>
+            <a:ext cx="7591425" cy="2000548"/>
           </a:xfrm>
           <a:prstGeom prst="rect">
             <a:avLst/>
@@ -6946,11 +6888,146 @@
                 </a:solidFill>
                 <a:latin typeface="Comic Sans MS" pitchFamily="66" charset="0"/>
               </a:rPr>
-              <a:t>Build a system which can receive orders from different platforms, open source programming. Cheaper than Lego and with the same effectiveness.</a:t>
+              <a:t>Build a controller system which…</a:t>
             </a:r>
-            <a:endParaRPr lang="en-US" altLang="es-MX" sz="2000" dirty="0">
+          </a:p>
+          <a:p>
+            <a:pPr marL="457200" indent="-457200" algn="l" eaLnBrk="1" hangingPunct="1">
+              <a:buFont typeface="+mj-lt"/>
+              <a:buAutoNum type="arabicPeriod"/>
+            </a:pPr>
+            <a:r>
+              <a:rPr lang="en-US" altLang="es-MX" sz="2000" dirty="0" smtClean="0">
+                <a:solidFill>
+                  <a:srgbClr val="4D4D4D"/>
+                </a:solidFill>
+                <a:latin typeface="Comic Sans MS" pitchFamily="66" charset="0"/>
+              </a:rPr>
+              <a:t>Is less than one third the price </a:t>
+            </a:r>
+          </a:p>
+          <a:p>
+            <a:pPr marL="457200" indent="-457200" algn="l" eaLnBrk="1" hangingPunct="1">
+              <a:buFont typeface="+mj-lt"/>
+              <a:buAutoNum type="arabicPeriod"/>
+            </a:pPr>
+            <a:r>
+              <a:rPr lang="en-US" altLang="es-MX" sz="2000" dirty="0" smtClean="0">
+                <a:solidFill>
+                  <a:srgbClr val="4D4D4D"/>
+                </a:solidFill>
+                <a:latin typeface="Comic Sans MS" pitchFamily="66" charset="0"/>
+              </a:rPr>
+              <a:t>Can be programmed by any program that controls a screen display </a:t>
+            </a:r>
+          </a:p>
+          <a:p>
+            <a:pPr marL="457200" indent="-457200" algn="l" eaLnBrk="1" hangingPunct="1">
+              <a:buFont typeface="+mj-lt"/>
+              <a:buAutoNum type="arabicPeriod"/>
+            </a:pPr>
+            <a:r>
+              <a:rPr lang="en-US" altLang="es-MX" sz="2000" dirty="0" smtClean="0">
+                <a:solidFill>
+                  <a:srgbClr val="4D4D4D"/>
+                </a:solidFill>
+                <a:latin typeface="Comic Sans MS" pitchFamily="66" charset="0"/>
+              </a:rPr>
+              <a:t>Does not change every 5-6 </a:t>
+            </a:r>
+            <a:r>
+              <a:rPr lang="en-US" altLang="es-MX" sz="2000" dirty="0" smtClean="0">
+                <a:solidFill>
+                  <a:srgbClr val="4D4D4D"/>
+                </a:solidFill>
+                <a:latin typeface="Comic Sans MS" pitchFamily="66" charset="0"/>
+              </a:rPr>
+              <a:t>years</a:t>
+            </a:r>
+          </a:p>
+          <a:p>
+            <a:pPr marL="457200" indent="-457200" algn="l" eaLnBrk="1" hangingPunct="1">
+              <a:buFont typeface="+mj-lt"/>
+              <a:buAutoNum type="arabicPeriod"/>
+            </a:pPr>
+            <a:r>
+              <a:rPr lang="es-MX" sz="2000" dirty="0" err="1">
+                <a:solidFill>
+                  <a:schemeClr val="tx1">
+                    <a:lumMod val="65000"/>
+                    <a:lumOff val="35000"/>
+                  </a:schemeClr>
+                </a:solidFill>
+                <a:latin typeface="Comic Sans MS" panose="030F0702030302020204" pitchFamily="66" charset="0"/>
+              </a:rPr>
+              <a:t>Costs</a:t>
+            </a:r>
+            <a:r>
+              <a:rPr lang="es-MX" sz="2000" dirty="0">
+                <a:solidFill>
+                  <a:schemeClr val="tx1">
+                    <a:lumMod val="65000"/>
+                    <a:lumOff val="35000"/>
+                  </a:schemeClr>
+                </a:solidFill>
+                <a:latin typeface="Comic Sans MS" panose="030F0702030302020204" pitchFamily="66" charset="0"/>
+              </a:rPr>
+              <a:t> </a:t>
+            </a:r>
+            <a:r>
+              <a:rPr lang="es-MX" sz="2000" dirty="0" err="1">
+                <a:solidFill>
+                  <a:schemeClr val="tx1">
+                    <a:lumMod val="65000"/>
+                    <a:lumOff val="35000"/>
+                  </a:schemeClr>
+                </a:solidFill>
+                <a:latin typeface="Comic Sans MS" panose="030F0702030302020204" pitchFamily="66" charset="0"/>
+              </a:rPr>
+              <a:t>less</a:t>
+            </a:r>
+            <a:r>
+              <a:rPr lang="es-MX" sz="2000" dirty="0">
+                <a:solidFill>
+                  <a:schemeClr val="tx1">
+                    <a:lumMod val="65000"/>
+                    <a:lumOff val="35000"/>
+                  </a:schemeClr>
+                </a:solidFill>
+                <a:latin typeface="Comic Sans MS" panose="030F0702030302020204" pitchFamily="66" charset="0"/>
+              </a:rPr>
+              <a:t> </a:t>
+            </a:r>
+            <a:r>
+              <a:rPr lang="es-MX" sz="2000" dirty="0" err="1">
+                <a:solidFill>
+                  <a:schemeClr val="tx1">
+                    <a:lumMod val="65000"/>
+                    <a:lumOff val="35000"/>
+                  </a:schemeClr>
+                </a:solidFill>
+                <a:latin typeface="Comic Sans MS" panose="030F0702030302020204" pitchFamily="66" charset="0"/>
+              </a:rPr>
+              <a:t>than</a:t>
+            </a:r>
+            <a:r>
+              <a:rPr lang="es-MX" sz="2000" dirty="0">
+                <a:solidFill>
+                  <a:schemeClr val="tx1">
+                    <a:lumMod val="65000"/>
+                    <a:lumOff val="35000"/>
+                  </a:schemeClr>
+                </a:solidFill>
+                <a:latin typeface="Comic Sans MS" panose="030F0702030302020204" pitchFamily="66" charset="0"/>
+              </a:rPr>
+              <a:t> $100</a:t>
+            </a:r>
+            <a:endParaRPr lang="en-US" altLang="es-MX" sz="2000" dirty="0" smtClean="0">
               <a:solidFill>
-                <a:srgbClr val="4D4D4D"/>
+                <a:schemeClr val="tx1">
+                  <a:lumMod val="65000"/>
+                  <a:lumOff val="35000"/>
+                </a:schemeClr>
               </a:solidFill>
               <a:latin typeface="Comic Sans MS" pitchFamily="66" charset="0"/>
             </a:endParaRPr>
@@ -8099,47 +8176,6 @@
           </a:p>
         </p:txBody>
       </p:sp>
-      <p:pic>
-        <p:nvPicPr>
-          <p:cNvPr id="4111" name="Picture 15" descr="C:\xampp\htdocs\Jesus\consy\Construction-System\CSpage\css\img\csystem(2).jpg"/>
-          <p:cNvPicPr>
-            <a:picLocks noChangeAspect="1" noChangeArrowheads="1"/>
-          </p:cNvPicPr>
-          <p:nvPr/>
-        </p:nvPicPr>
-        <p:blipFill>
-          <a:blip r:embed="rId2">
-            <a:extLst>
-              <a:ext uri="{28A0092B-C50C-407E-A947-70E740481C1C}">
-                <a14:useLocalDpi xmlns:a14="http://schemas.microsoft.com/office/drawing/2010/main" val="0"/>
-              </a:ext>
-            </a:extLst>
-          </a:blip>
-          <a:srcRect/>
-          <a:stretch>
-            <a:fillRect/>
-          </a:stretch>
-        </p:blipFill>
-        <p:spPr bwMode="auto">
-          <a:xfrm>
-            <a:off x="1985696" y="2535380"/>
-            <a:ext cx="5237696" cy="3635085"/>
-          </a:xfrm>
-          <a:prstGeom prst="rect">
-            <a:avLst/>
-          </a:prstGeom>
-          <a:noFill/>
-          <a:extLst>
-            <a:ext uri="{909E8E84-426E-40DD-AFC4-6F175D3DCCD1}">
-              <a14:hiddenFill xmlns:a14="http://schemas.microsoft.com/office/drawing/2010/main">
-                <a:solidFill>
-                  <a:srgbClr val="FFFFFF"/>
-                </a:solidFill>
-              </a14:hiddenFill>
-            </a:ext>
-          </a:extLst>
-        </p:spPr>
-      </p:pic>
     </p:spTree>
   </p:cSld>
   <p:clrMapOvr>
@@ -8202,12 +8238,6 @@
               </a:rPr>
               <a:t>Uploading a program</a:t>
             </a:r>
-            <a:endParaRPr lang="en-US" altLang="es-MX" sz="2000" b="1" dirty="0" smtClean="0">
-              <a:solidFill>
-                <a:schemeClr val="accent2"/>
-              </a:solidFill>
-              <a:latin typeface="Comic Sans MS" pitchFamily="66" charset="0"/>
-            </a:endParaRPr>
           </a:p>
         </p:txBody>
       </p:sp>
@@ -9856,7 +9886,7 @@
         </p:blipFill>
         <p:spPr bwMode="auto">
           <a:xfrm>
-            <a:off x="5553638" y="1959983"/>
+            <a:off x="5426796" y="1998153"/>
             <a:ext cx="3119630" cy="2030703"/>
           </a:xfrm>
           <a:prstGeom prst="rect">
@@ -9955,6 +9985,101 @@
         </p:spPr>
       </p:pic>
     </p:spTree>
+  </p:cSld>
+  <p:clrMapOvr>
+    <a:masterClrMapping/>
+  </p:clrMapOvr>
+  <p:timing>
+    <p:tnLst>
+      <p:par>
+        <p:cTn id="1" dur="indefinite" restart="never" nodeType="tmRoot"/>
+      </p:par>
+    </p:tnLst>
+  </p:timing>
+</p:sld>
+</file>
+
+<file path=ppt/slides/slide5.xml><?xml version="1.0" encoding="utf-8"?>
+<p:sld xmlns:a="http://schemas.openxmlformats.org/drawingml/2006/main" xmlns:r="http://schemas.openxmlformats.org/officeDocument/2006/relationships" xmlns:p="http://schemas.openxmlformats.org/presentationml/2006/main">
+  <p:cSld>
+    <p:spTree>
+      <p:nvGrpSpPr>
+        <p:cNvPr id="1" name=""/>
+        <p:cNvGrpSpPr/>
+        <p:nvPr/>
+      </p:nvGrpSpPr>
+      <p:grpSpPr>
+        <a:xfrm>
+          <a:off x="0" y="0"/>
+          <a:ext cx="0" cy="0"/>
+          <a:chOff x="0" y="0"/>
+          <a:chExt cx="0" cy="0"/>
+        </a:xfrm>
+      </p:grpSpPr>
+      <p:sp>
+        <p:nvSpPr>
+          <p:cNvPr id="2" name="1 Título"/>
+          <p:cNvSpPr>
+            <a:spLocks noGrp="1"/>
+          </p:cNvSpPr>
+          <p:nvPr>
+            <p:ph type="title"/>
+          </p:nvPr>
+        </p:nvSpPr>
+        <p:spPr/>
+        <p:txBody>
+          <a:bodyPr/>
+          <a:lstStyle/>
+          <a:p>
+            <a:endParaRPr lang="es-MX"/>
+          </a:p>
+        </p:txBody>
+      </p:sp>
+      <p:sp>
+        <p:nvSpPr>
+          <p:cNvPr id="3" name="2 Marcador de contenido"/>
+          <p:cNvSpPr>
+            <a:spLocks noGrp="1"/>
+          </p:cNvSpPr>
+          <p:nvPr>
+            <p:ph idx="1"/>
+          </p:nvPr>
+        </p:nvSpPr>
+        <p:spPr/>
+        <p:txBody>
+          <a:bodyPr/>
+          <a:lstStyle/>
+          <a:p>
+            <a:r>
+              <a:rPr lang="es-MX" dirty="0" smtClean="0"/>
+              <a:t>Chart</a:t>
+            </a:r>
+          </a:p>
+          <a:p>
+            <a:r>
+              <a:rPr lang="es-MX" dirty="0" smtClean="0"/>
+              <a:t>Pros and no-pros</a:t>
+            </a:r>
+          </a:p>
+          <a:p>
+            <a:r>
+              <a:rPr lang="es-MX" dirty="0" smtClean="0"/>
+              <a:t>Test </a:t>
+            </a:r>
+            <a:r>
+              <a:rPr lang="es-MX" smtClean="0"/>
+              <a:t>sensors</a:t>
+            </a:r>
+            <a:endParaRPr lang="es-MX" dirty="0"/>
+          </a:p>
+        </p:txBody>
+      </p:sp>
+    </p:spTree>
+    <p:extLst>
+      <p:ext uri="{BB962C8B-B14F-4D97-AF65-F5344CB8AC3E}">
+        <p14:creationId xmlns:p14="http://schemas.microsoft.com/office/powerpoint/2010/main" val="608613272"/>
+      </p:ext>
+    </p:extLst>
   </p:cSld>
   <p:clrMapOvr>
     <a:masterClrMapping/>
